--- a/プレゼン資料/SAKURAプレゼン評価会.pptx
+++ b/プレゼン資料/SAKURAプレゼン評価会.pptx
@@ -11,11 +11,11 @@
     <p:sldId id="256" r:id="rId2"/>
     <p:sldId id="267" r:id="rId3"/>
     <p:sldId id="265" r:id="rId4"/>
-    <p:sldId id="266" r:id="rId5"/>
-    <p:sldId id="260" r:id="rId6"/>
-    <p:sldId id="261" r:id="rId7"/>
-    <p:sldId id="262" r:id="rId8"/>
-    <p:sldId id="269" r:id="rId9"/>
+    <p:sldId id="260" r:id="rId5"/>
+    <p:sldId id="261" r:id="rId6"/>
+    <p:sldId id="262" r:id="rId7"/>
+    <p:sldId id="269" r:id="rId8"/>
+    <p:sldId id="271" r:id="rId9"/>
     <p:sldId id="263" r:id="rId10"/>
     <p:sldId id="270" r:id="rId11"/>
     <p:sldId id="264" r:id="rId12"/>
@@ -2795,14 +2795,22 @@
           <a:p>
             <a:r>
               <a:rPr kumimoji="1" lang="ja-JP" altLang="en-US" dirty="0"/>
-              <a:t>そして皆さん口をそろえて出会いがあればといいます。</a:t>
+              <a:t>そして皆さん口をそろえてこういいます。</a:t>
+            </a:r>
+            <a:r>
+              <a:rPr kumimoji="1" lang="en-US" altLang="ja-JP" dirty="0"/>
+              <a:t>(</a:t>
+            </a:r>
+            <a:r>
+              <a:rPr kumimoji="1" lang="ja-JP" altLang="en-US" dirty="0"/>
+              <a:t>エンター）</a:t>
             </a:r>
             <a:endParaRPr kumimoji="1" lang="en-US" altLang="ja-JP" dirty="0"/>
           </a:p>
           <a:p>
             <a:r>
               <a:rPr kumimoji="1" lang="ja-JP" altLang="en-US" dirty="0"/>
-              <a:t>環境のせいにするなとそうおっしゃりたい方もいるでしょう。</a:t>
+              <a:t>出会いがない。</a:t>
             </a:r>
             <a:endParaRPr kumimoji="1" lang="en-US" altLang="ja-JP" dirty="0"/>
           </a:p>
@@ -2903,50 +2911,16 @@
           <a:p>
             <a:r>
               <a:rPr kumimoji="1" lang="ja-JP" altLang="en-US" dirty="0"/>
-              <a:t>☆あるクラス男女４０名のクラスでとったアンケート結果</a:t>
-            </a:r>
-            <a:endParaRPr kumimoji="1" lang="en-US" altLang="ja-JP" dirty="0"/>
-          </a:p>
-          <a:p>
+              <a:t>私たちサクラが皆さんが出会うきっかけを作ろうと思い考えたのがこの</a:t>
+            </a:r>
+            <a:r>
+              <a:rPr kumimoji="1" lang="en-US" altLang="ja-JP" dirty="0"/>
+              <a:t>cat’s</a:t>
+            </a:r>
             <a:r>
               <a:rPr kumimoji="1" lang="ja-JP" altLang="en-US" dirty="0"/>
-              <a:t>彼氏、彼女がいる学生はなんと立ったの全体の１２％！これは大問題</a:t>
-            </a:r>
-            <a:endParaRPr kumimoji="1" lang="en-US" altLang="ja-JP" dirty="0"/>
-          </a:p>
-          <a:p>
-            <a:endParaRPr kumimoji="1" lang="en-US" altLang="ja-JP" dirty="0"/>
-          </a:p>
-          <a:p>
-            <a:r>
-              <a:rPr kumimoji="1" lang="ja-JP" altLang="en-US" dirty="0"/>
-              <a:t>そして☆、その原因の多くを占めたのはこちらを見ていただければわかるように出会いがない、そして出会う機会が少なく、そういった経験が少ないことから自信がない</a:t>
-            </a:r>
-            <a:endParaRPr kumimoji="1" lang="en-US" altLang="ja-JP" dirty="0"/>
-          </a:p>
-          <a:p>
-            <a:r>
-              <a:rPr kumimoji="1" lang="ja-JP" altLang="en-US" dirty="0"/>
-              <a:t>この二つが全街の７０％を占めています</a:t>
-            </a:r>
-            <a:endParaRPr kumimoji="1" lang="en-US" altLang="ja-JP" dirty="0"/>
-          </a:p>
-          <a:p>
-            <a:endParaRPr kumimoji="1" lang="en-US" altLang="ja-JP" dirty="0"/>
-          </a:p>
-          <a:p>
-            <a:r>
-              <a:rPr kumimoji="1" lang="ja-JP" altLang="en-US" dirty="0"/>
-              <a:t>さて、これは困りました。☆さぁどうすればいいでしょうみなさん</a:t>
-            </a:r>
-            <a:endParaRPr kumimoji="1" lang="en-US" altLang="ja-JP" dirty="0"/>
-          </a:p>
-          <a:p>
-            <a:r>
-              <a:rPr kumimoji="1" lang="ja-JP" altLang="en-US" dirty="0"/>
-              <a:t>そこで私たちはかんがえました。☆、、☆</a:t>
-            </a:r>
-            <a:endParaRPr kumimoji="1" lang="en-US" altLang="ja-JP" dirty="0"/>
+              <a:t>です。</a:t>
+            </a:r>
           </a:p>
         </p:txBody>
       </p:sp>
@@ -2976,7 +2950,7 @@
     </p:spTree>
     <p:extLst>
       <p:ext uri="{BB962C8B-B14F-4D97-AF65-F5344CB8AC3E}">
-        <p14:creationId xmlns:p14="http://schemas.microsoft.com/office/powerpoint/2010/main" val="3093064517"/>
+        <p14:creationId xmlns:p14="http://schemas.microsoft.com/office/powerpoint/2010/main" val="4053113016"/>
       </p:ext>
     </p:extLst>
   </p:cSld>
@@ -3032,8 +3006,23 @@
           <a:p>
             <a:r>
               <a:rPr kumimoji="1" lang="ja-JP" altLang="en-US" dirty="0"/>
-              <a:t>コンセプト</a:t>
-            </a:r>
+              <a:t>アプリの全体像といたしましては、まずこちらは</a:t>
+            </a:r>
+            <a:r>
+              <a:rPr kumimoji="1" lang="en-US" altLang="ja-JP" dirty="0"/>
+              <a:t>Web</a:t>
+            </a:r>
+            <a:r>
+              <a:rPr kumimoji="1" lang="ja-JP" altLang="en-US" dirty="0"/>
+              <a:t>アプリになりまして</a:t>
+            </a:r>
+            <a:endParaRPr kumimoji="1" lang="en-US" altLang="ja-JP" dirty="0"/>
+          </a:p>
+          <a:p>
+            <a:endParaRPr kumimoji="1" lang="en-US" altLang="ja-JP" dirty="0"/>
+          </a:p>
+          <a:p>
+            <a:endParaRPr kumimoji="1" lang="ja-JP" altLang="en-US" dirty="0"/>
           </a:p>
         </p:txBody>
       </p:sp>
@@ -3063,7 +3052,7 @@
     </p:spTree>
     <p:extLst>
       <p:ext uri="{BB962C8B-B14F-4D97-AF65-F5344CB8AC3E}">
-        <p14:creationId xmlns:p14="http://schemas.microsoft.com/office/powerpoint/2010/main" val="4053113016"/>
+        <p14:creationId xmlns:p14="http://schemas.microsoft.com/office/powerpoint/2010/main" val="4283787089"/>
       </p:ext>
     </p:extLst>
   </p:cSld>
@@ -3119,23 +3108,25 @@
           <a:p>
             <a:r>
               <a:rPr kumimoji="1" lang="ja-JP" altLang="en-US" dirty="0"/>
-              <a:t>アプリの全体像といたしましては、まずこちらは</a:t>
-            </a:r>
-            <a:r>
-              <a:rPr kumimoji="1" lang="en-US" altLang="ja-JP" dirty="0"/>
-              <a:t>Web</a:t>
-            </a:r>
+              <a:t>こちらの機能につきましては後程説明いたします</a:t>
+            </a:r>
+            <a:endParaRPr kumimoji="1" lang="en-US" altLang="ja-JP" dirty="0"/>
+          </a:p>
+          <a:p>
+            <a:endParaRPr kumimoji="1" lang="en-US" altLang="ja-JP" dirty="0"/>
+          </a:p>
+          <a:p>
             <a:r>
               <a:rPr kumimoji="1" lang="ja-JP" altLang="en-US" dirty="0"/>
-              <a:t>アプリになりまして</a:t>
+              <a:t>チュートリアル機能</a:t>
             </a:r>
             <a:endParaRPr kumimoji="1" lang="en-US" altLang="ja-JP" dirty="0"/>
           </a:p>
           <a:p>
-            <a:endParaRPr kumimoji="1" lang="en-US" altLang="ja-JP" dirty="0"/>
-          </a:p>
-          <a:p>
-            <a:endParaRPr kumimoji="1" lang="ja-JP" altLang="en-US" dirty="0"/>
+            <a:r>
+              <a:rPr kumimoji="1" lang="ja-JP" altLang="en-US" dirty="0"/>
+              <a:t>アプリの一通りの操作方法と、ホーム画面に追加するように促すようにしたいと思っています</a:t>
+            </a:r>
           </a:p>
         </p:txBody>
       </p:sp>
@@ -3165,7 +3156,7 @@
     </p:spTree>
     <p:extLst>
       <p:ext uri="{BB962C8B-B14F-4D97-AF65-F5344CB8AC3E}">
-        <p14:creationId xmlns:p14="http://schemas.microsoft.com/office/powerpoint/2010/main" val="4283787089"/>
+        <p14:creationId xmlns:p14="http://schemas.microsoft.com/office/powerpoint/2010/main" val="2085642599"/>
       </p:ext>
     </p:extLst>
   </p:cSld>
@@ -3221,24 +3212,39 @@
           <a:p>
             <a:r>
               <a:rPr kumimoji="1" lang="ja-JP" altLang="en-US" dirty="0"/>
-              <a:t>こちらの機能につきましては後程説明いたします</a:t>
+              <a:t>カテゴリーと、人数を選択してガチャを引き、☆</a:t>
             </a:r>
             <a:endParaRPr kumimoji="1" lang="en-US" altLang="ja-JP" dirty="0"/>
           </a:p>
           <a:p>
+            <a:r>
+              <a:rPr kumimoji="1" lang="ja-JP" altLang="en-US" dirty="0"/>
+              <a:t>一致する相手がいればマッチングし、</a:t>
+            </a:r>
             <a:endParaRPr kumimoji="1" lang="en-US" altLang="ja-JP" dirty="0"/>
           </a:p>
           <a:p>
             <a:r>
               <a:rPr kumimoji="1" lang="ja-JP" altLang="en-US" dirty="0"/>
-              <a:t>チュートリアル機能</a:t>
+              <a:t>一対一でメッセージができるような仕組みになっています。</a:t>
             </a:r>
             <a:endParaRPr kumimoji="1" lang="en-US" altLang="ja-JP" dirty="0"/>
           </a:p>
           <a:p>
+            <a:endParaRPr kumimoji="1" lang="en-US" altLang="ja-JP" dirty="0"/>
+          </a:p>
+          <a:p>
             <a:r>
               <a:rPr kumimoji="1" lang="ja-JP" altLang="en-US" dirty="0"/>
-              <a:t>アプリの一通りの操作方法と、ホーム画面に追加するように促すようにしたいと思っています</a:t>
+              <a:t>もし、</a:t>
+            </a:r>
+            <a:r>
+              <a:rPr kumimoji="1" lang="en-US" altLang="ja-JP" dirty="0"/>
+              <a:t>24</a:t>
+            </a:r>
+            <a:r>
+              <a:rPr kumimoji="1" lang="ja-JP" altLang="en-US" dirty="0"/>
+              <a:t>時間以内にマッチングする相手が見つからなければガチャを引いた際のポイントを半分還元するようにします。</a:t>
             </a:r>
           </a:p>
         </p:txBody>
@@ -3269,7 +3275,7 @@
     </p:spTree>
     <p:extLst>
       <p:ext uri="{BB962C8B-B14F-4D97-AF65-F5344CB8AC3E}">
-        <p14:creationId xmlns:p14="http://schemas.microsoft.com/office/powerpoint/2010/main" val="2085642599"/>
+        <p14:creationId xmlns:p14="http://schemas.microsoft.com/office/powerpoint/2010/main" val="273946782"/>
       </p:ext>
     </p:extLst>
   </p:cSld>
@@ -3325,40 +3331,12 @@
           <a:p>
             <a:r>
               <a:rPr kumimoji="1" lang="ja-JP" altLang="en-US" dirty="0"/>
-              <a:t>カテゴリーと、人数を選択してガチャを引き、☆</a:t>
+              <a:t>デモ</a:t>
             </a:r>
             <a:endParaRPr kumimoji="1" lang="en-US" altLang="ja-JP" dirty="0"/>
           </a:p>
           <a:p>
-            <a:r>
-              <a:rPr kumimoji="1" lang="ja-JP" altLang="en-US" dirty="0"/>
-              <a:t>一致する相手がいればマッチングし、</a:t>
-            </a:r>
-            <a:endParaRPr kumimoji="1" lang="en-US" altLang="ja-JP" dirty="0"/>
-          </a:p>
-          <a:p>
-            <a:r>
-              <a:rPr kumimoji="1" lang="ja-JP" altLang="en-US" dirty="0"/>
-              <a:t>一対一でメッセージができるような仕組みになっています。</a:t>
-            </a:r>
-            <a:endParaRPr kumimoji="1" lang="en-US" altLang="ja-JP" dirty="0"/>
-          </a:p>
-          <a:p>
-            <a:endParaRPr kumimoji="1" lang="en-US" altLang="ja-JP" dirty="0"/>
-          </a:p>
-          <a:p>
-            <a:r>
-              <a:rPr kumimoji="1" lang="ja-JP" altLang="en-US" dirty="0"/>
-              <a:t>もし、</a:t>
-            </a:r>
-            <a:r>
-              <a:rPr kumimoji="1" lang="en-US" altLang="ja-JP" dirty="0"/>
-              <a:t>24</a:t>
-            </a:r>
-            <a:r>
-              <a:rPr kumimoji="1" lang="ja-JP" altLang="en-US" dirty="0"/>
-              <a:t>時間以内にマッチングする相手が見つからなければガチャを引いた際のポイントを半分還元するようにします。</a:t>
-            </a:r>
+            <a:endParaRPr kumimoji="1" lang="ja-JP" altLang="en-US" dirty="0"/>
           </a:p>
         </p:txBody>
       </p:sp>
@@ -3388,7 +3366,7 @@
     </p:spTree>
     <p:extLst>
       <p:ext uri="{BB962C8B-B14F-4D97-AF65-F5344CB8AC3E}">
-        <p14:creationId xmlns:p14="http://schemas.microsoft.com/office/powerpoint/2010/main" val="273946782"/>
+        <p14:creationId xmlns:p14="http://schemas.microsoft.com/office/powerpoint/2010/main" val="3639323567"/>
       </p:ext>
     </p:extLst>
   </p:cSld>
@@ -10349,198 +10327,6 @@
           <a:chExt cx="0" cy="0"/>
         </a:xfrm>
       </p:grpSpPr>
-      <p:sp>
-        <p:nvSpPr>
-          <p:cNvPr id="5" name="テキスト プレースホルダー 4">
-            <a:extLst>
-              <a:ext uri="{FF2B5EF4-FFF2-40B4-BE49-F238E27FC236}">
-                <a16:creationId xmlns:a16="http://schemas.microsoft.com/office/drawing/2014/main" id="{CC2D4872-74B9-0C47-B9CC-6EE348722DCE}"/>
-              </a:ext>
-            </a:extLst>
-          </p:cNvPr>
-          <p:cNvSpPr>
-            <a:spLocks noGrp="1"/>
-          </p:cNvSpPr>
-          <p:nvPr>
-            <p:ph type="body" idx="1"/>
-          </p:nvPr>
-        </p:nvSpPr>
-        <p:spPr>
-          <a:xfrm>
-            <a:off x="1222874" y="5380685"/>
-            <a:ext cx="10080398" cy="1058580"/>
-          </a:xfrm>
-        </p:spPr>
-        <p:txBody>
-          <a:bodyPr/>
-          <a:lstStyle/>
-          <a:p>
-            <a:r>
-              <a:rPr kumimoji="1" lang="ja-JP" altLang="en-US" sz="3200" dirty="0">
-                <a:solidFill>
-                  <a:schemeClr val="tx1"/>
-                </a:solidFill>
-              </a:rPr>
-              <a:t>・たくさんの学科が集まっているのに交流がない</a:t>
-            </a:r>
-          </a:p>
-        </p:txBody>
-      </p:sp>
-      <p:sp>
-        <p:nvSpPr>
-          <p:cNvPr id="3" name="テキスト ボックス 2">
-            <a:extLst>
-              <a:ext uri="{FF2B5EF4-FFF2-40B4-BE49-F238E27FC236}">
-                <a16:creationId xmlns:a16="http://schemas.microsoft.com/office/drawing/2014/main" id="{84E21A85-8251-A744-BE62-95C6E4D86F3D}"/>
-              </a:ext>
-            </a:extLst>
-          </p:cNvPr>
-          <p:cNvSpPr txBox="1"/>
-          <p:nvPr/>
-        </p:nvSpPr>
-        <p:spPr>
-          <a:xfrm>
-            <a:off x="1242441" y="5826960"/>
-            <a:ext cx="9707118" cy="861774"/>
-          </a:xfrm>
-          <a:prstGeom prst="rect">
-            <a:avLst/>
-          </a:prstGeom>
-          <a:noFill/>
-        </p:spPr>
-        <p:txBody>
-          <a:bodyPr wrap="square" rtlCol="0">
-            <a:spAutoFit/>
-          </a:bodyPr>
-          <a:lstStyle/>
-          <a:p>
-            <a:r>
-              <a:rPr lang="ja-JP" altLang="ja-JP" sz="3200" dirty="0"/>
-              <a:t>・学校で出会いが少ない</a:t>
-            </a:r>
-          </a:p>
-          <a:p>
-            <a:endParaRPr kumimoji="1" lang="ja-JP" altLang="en-US" dirty="0"/>
-          </a:p>
-        </p:txBody>
-      </p:sp>
-      <p:sp>
-        <p:nvSpPr>
-          <p:cNvPr id="6" name="テキスト ボックス 5">
-            <a:extLst>
-              <a:ext uri="{FF2B5EF4-FFF2-40B4-BE49-F238E27FC236}">
-                <a16:creationId xmlns:a16="http://schemas.microsoft.com/office/drawing/2014/main" id="{4DED6140-3B41-FD4D-B99B-6ED3601E9B2C}"/>
-              </a:ext>
-            </a:extLst>
-          </p:cNvPr>
-          <p:cNvSpPr txBox="1"/>
-          <p:nvPr/>
-        </p:nvSpPr>
-        <p:spPr>
-          <a:xfrm>
-            <a:off x="1222874" y="5965460"/>
-            <a:ext cx="11079296" cy="584775"/>
-          </a:xfrm>
-          <a:prstGeom prst="rect">
-            <a:avLst/>
-          </a:prstGeom>
-          <a:noFill/>
-        </p:spPr>
-        <p:txBody>
-          <a:bodyPr wrap="square" rtlCol="0">
-            <a:spAutoFit/>
-          </a:bodyPr>
-          <a:lstStyle/>
-          <a:p>
-            <a:r>
-              <a:rPr lang="ja-JP" altLang="ja-JP" sz="3200" dirty="0"/>
-              <a:t>・学校で共通のイベントなどが</a:t>
-            </a:r>
-            <a:r>
-              <a:rPr lang="ja-JP" altLang="en-US" sz="3200" dirty="0"/>
-              <a:t>少なく</a:t>
-            </a:r>
-            <a:r>
-              <a:rPr lang="ja-JP" altLang="ja-JP" sz="3200" dirty="0"/>
-              <a:t>出会う機会がない </a:t>
-            </a:r>
-            <a:endParaRPr kumimoji="1" lang="ja-JP" altLang="en-US" sz="3200" dirty="0"/>
-          </a:p>
-        </p:txBody>
-      </p:sp>
-      <p:sp>
-        <p:nvSpPr>
-          <p:cNvPr id="7" name="正方形/長方形 6">
-            <a:extLst>
-              <a:ext uri="{FF2B5EF4-FFF2-40B4-BE49-F238E27FC236}">
-                <a16:creationId xmlns:a16="http://schemas.microsoft.com/office/drawing/2014/main" id="{FCFBE8F6-58F6-4A97-9F9C-4C27DC08B89E}"/>
-              </a:ext>
-            </a:extLst>
-          </p:cNvPr>
-          <p:cNvSpPr/>
-          <p:nvPr/>
-        </p:nvSpPr>
-        <p:spPr>
-          <a:xfrm>
-            <a:off x="638438" y="294247"/>
-            <a:ext cx="1576072" cy="923330"/>
-          </a:xfrm>
-          <a:prstGeom prst="rect">
-            <a:avLst/>
-          </a:prstGeom>
-          <a:noFill/>
-        </p:spPr>
-        <p:txBody>
-          <a:bodyPr wrap="none" lIns="91440" tIns="45720" rIns="91440" bIns="45720">
-            <a:spAutoFit/>
-          </a:bodyPr>
-          <a:lstStyle/>
-          <a:p>
-            <a:pPr algn="ctr"/>
-            <a:r>
-              <a:rPr lang="ja-JP" altLang="en-US" sz="5400" b="1" dirty="0">
-                <a:ln w="9525">
-                  <a:solidFill>
-                    <a:schemeClr val="bg1"/>
-                  </a:solidFill>
-                  <a:prstDash val="solid"/>
-                </a:ln>
-                <a:solidFill>
-                  <a:srgbClr val="FF78EB"/>
-                </a:solidFill>
-                <a:effectLst>
-                  <a:outerShdw blurRad="12700" dist="38100" dir="2700000" algn="tl" rotWithShape="0">
-                    <a:schemeClr val="accent5">
-                      <a:lumMod val="60000"/>
-                      <a:lumOff val="40000"/>
-                    </a:schemeClr>
-                  </a:outerShdw>
-                </a:effectLst>
-              </a:rPr>
-              <a:t>課題</a:t>
-            </a:r>
-            <a:endParaRPr lang="ja-JP" altLang="en-US" sz="5400" b="1" cap="none" spc="0" dirty="0">
-              <a:ln w="9525">
-                <a:solidFill>
-                  <a:schemeClr val="bg1"/>
-                </a:solidFill>
-                <a:prstDash val="solid"/>
-              </a:ln>
-              <a:solidFill>
-                <a:srgbClr val="FF78EB"/>
-              </a:solidFill>
-              <a:effectLst>
-                <a:outerShdw blurRad="12700" dist="38100" dir="2700000" algn="tl" rotWithShape="0">
-                  <a:schemeClr val="accent5">
-                    <a:lumMod val="60000"/>
-                    <a:lumOff val="40000"/>
-                  </a:schemeClr>
-                </a:outerShdw>
-              </a:effectLst>
-            </a:endParaRPr>
-          </a:p>
-        </p:txBody>
-      </p:sp>
       <p:graphicFrame>
         <p:nvGraphicFramePr>
           <p:cNvPr id="8" name="グラフ 7">
@@ -10586,14 +10372,14 @@
           <p:nvPr>
             <p:extLst>
               <p:ext uri="{D42A27DB-BD31-4B8C-83A1-F6EECF244321}">
-                <p14:modId xmlns:p14="http://schemas.microsoft.com/office/powerpoint/2010/main" val="943533232"/>
+                <p14:modId xmlns:p14="http://schemas.microsoft.com/office/powerpoint/2010/main" val="2016133651"/>
               </p:ext>
             </p:extLst>
           </p:nvPr>
         </p:nvGraphicFramePr>
         <p:xfrm>
-          <a:off x="5896639" y="927946"/>
-          <a:ext cx="5991069" cy="4452739"/>
+          <a:off x="5896639" y="1015651"/>
+          <a:ext cx="5991069" cy="5125124"/>
         </p:xfrm>
         <a:graphic>
           <a:graphicData uri="http://schemas.openxmlformats.org/drawingml/2006/chart">
@@ -10601,6 +10387,60 @@
           </a:graphicData>
         </a:graphic>
       </p:graphicFrame>
+      <p:sp>
+        <p:nvSpPr>
+          <p:cNvPr id="10" name="正方形/長方形 9">
+            <a:extLst>
+              <a:ext uri="{FF2B5EF4-FFF2-40B4-BE49-F238E27FC236}">
+                <a16:creationId xmlns:a16="http://schemas.microsoft.com/office/drawing/2014/main" id="{A1ED692C-01F4-4C96-982D-7256CC37483B}"/>
+              </a:ext>
+            </a:extLst>
+          </p:cNvPr>
+          <p:cNvSpPr/>
+          <p:nvPr/>
+        </p:nvSpPr>
+        <p:spPr>
+          <a:xfrm>
+            <a:off x="0" y="307765"/>
+            <a:ext cx="4931700" cy="707886"/>
+          </a:xfrm>
+          <a:prstGeom prst="rect">
+            <a:avLst/>
+          </a:prstGeom>
+          <a:noFill/>
+        </p:spPr>
+        <p:txBody>
+          <a:bodyPr wrap="square" lIns="91440" tIns="45720" rIns="91440" bIns="45720">
+            <a:spAutoFit/>
+          </a:bodyPr>
+          <a:lstStyle/>
+          <a:p>
+            <a:pPr algn="ctr"/>
+            <a:r>
+              <a:rPr lang="ja-JP" altLang="en-US" sz="4000" b="1" cap="none" spc="0" dirty="0">
+                <a:ln w="9525">
+                  <a:solidFill>
+                    <a:schemeClr val="bg1"/>
+                  </a:solidFill>
+                  <a:prstDash val="solid"/>
+                </a:ln>
+                <a:solidFill>
+                  <a:srgbClr val="FF78EB"/>
+                </a:solidFill>
+                <a:effectLst>
+                  <a:outerShdw blurRad="12700" dist="38100" dir="2700000" algn="tl" rotWithShape="0">
+                    <a:schemeClr val="accent5">
+                      <a:lumMod val="60000"/>
+                      <a:lumOff val="40000"/>
+                    </a:schemeClr>
+                  </a:outerShdw>
+                </a:effectLst>
+              </a:rPr>
+              <a:t>アンケート結果</a:t>
+            </a:r>
+          </a:p>
+        </p:txBody>
+      </p:sp>
     </p:spTree>
     <p:extLst>
       <p:ext uri="{BB962C8B-B14F-4D97-AF65-F5344CB8AC3E}">
@@ -10635,28 +10475,37 @@
                             </p:stCondLst>
                             <p:childTnLst>
                               <p:par>
-                                <p:cTn id="5" presetID="26" presetClass="emph" presetSubtype="0" fill="hold" grpId="0" nodeType="clickEffect">
+                                <p:cTn id="5" presetID="9" presetClass="entr" presetSubtype="0" fill="hold" grpId="0" nodeType="clickEffect">
                                   <p:stCondLst>
                                     <p:cond delay="0"/>
                                   </p:stCondLst>
                                   <p:childTnLst>
-                                    <p:animEffect transition="out" filter="fade">
+                                    <p:set>
                                       <p:cBhvr>
-                                        <p:cTn id="6" dur="500" tmFilter="0, 0; .2, .5; .8, .5; 1, 0"/>
+                                        <p:cTn id="6" dur="1" fill="hold">
+                                          <p:stCondLst>
+                                            <p:cond delay="0"/>
+                                          </p:stCondLst>
+                                        </p:cTn>
                                         <p:tgtEl>
-                                          <p:spTgt spid="6"/>
+                                          <p:spTgt spid="8"/>
+                                        </p:tgtEl>
+                                        <p:attrNameLst>
+                                          <p:attrName>style.visibility</p:attrName>
+                                        </p:attrNameLst>
+                                      </p:cBhvr>
+                                      <p:to>
+                                        <p:strVal val="visible"/>
+                                      </p:to>
+                                    </p:set>
+                                    <p:animEffect transition="in" filter="dissolve">
+                                      <p:cBhvr>
+                                        <p:cTn id="7" dur="500"/>
+                                        <p:tgtEl>
+                                          <p:spTgt spid="8"/>
                                         </p:tgtEl>
                                       </p:cBhvr>
                                     </p:animEffect>
-                                    <p:animScale>
-                                      <p:cBhvr>
-                                        <p:cTn id="7" dur="250" autoRev="1" fill="hold"/>
-                                        <p:tgtEl>
-                                          <p:spTgt spid="6"/>
-                                        </p:tgtEl>
-                                      </p:cBhvr>
-                                      <p:by x="105000" y="105000"/>
-                                    </p:animScale>
                                   </p:childTnLst>
                                 </p:cTn>
                               </p:par>
@@ -10679,171 +10528,14 @@
                             </p:stCondLst>
                             <p:childTnLst>
                               <p:par>
-                                <p:cTn id="10" presetID="26" presetClass="emph" presetSubtype="0" fill="hold" nodeType="clickEffect">
-                                  <p:stCondLst>
-                                    <p:cond delay="0"/>
-                                  </p:stCondLst>
-                                  <p:childTnLst>
-                                    <p:animEffect transition="out" filter="fade">
-                                      <p:cBhvr>
-                                        <p:cTn id="11" dur="500" tmFilter="0, 0; .2, .5; .8, .5; 1, 0"/>
-                                        <p:tgtEl>
-                                          <p:spTgt spid="5">
-                                            <p:txEl>
-                                              <p:pRg st="0" end="0"/>
-                                            </p:txEl>
-                                          </p:spTgt>
-                                        </p:tgtEl>
-                                      </p:cBhvr>
-                                    </p:animEffect>
-                                    <p:animScale>
-                                      <p:cBhvr>
-                                        <p:cTn id="12" dur="250" autoRev="1" fill="hold"/>
-                                        <p:tgtEl>
-                                          <p:spTgt spid="5">
-                                            <p:txEl>
-                                              <p:pRg st="0" end="0"/>
-                                            </p:txEl>
-                                          </p:spTgt>
-                                        </p:tgtEl>
-                                      </p:cBhvr>
-                                      <p:by x="105000" y="105000"/>
-                                    </p:animScale>
-                                  </p:childTnLst>
-                                </p:cTn>
-                              </p:par>
-                            </p:childTnLst>
-                          </p:cTn>
-                        </p:par>
-                      </p:childTnLst>
-                    </p:cTn>
-                  </p:par>
-                  <p:par>
-                    <p:cTn id="13" fill="hold">
-                      <p:stCondLst>
-                        <p:cond delay="indefinite"/>
-                      </p:stCondLst>
-                      <p:childTnLst>
-                        <p:par>
-                          <p:cTn id="14" fill="hold">
-                            <p:stCondLst>
-                              <p:cond delay="0"/>
-                            </p:stCondLst>
-                            <p:childTnLst>
-                              <p:par>
-                                <p:cTn id="15" presetID="26" presetClass="emph" presetSubtype="0" fill="hold" nodeType="clickEffect">
-                                  <p:stCondLst>
-                                    <p:cond delay="0"/>
-                                  </p:stCondLst>
-                                  <p:childTnLst>
-                                    <p:animEffect transition="out" filter="fade">
-                                      <p:cBhvr>
-                                        <p:cTn id="16" dur="500" tmFilter="0, 0; .2, .5; .8, .5; 1, 0"/>
-                                        <p:tgtEl>
-                                          <p:spTgt spid="3">
-                                            <p:txEl>
-                                              <p:pRg st="0" end="0"/>
-                                            </p:txEl>
-                                          </p:spTgt>
-                                        </p:tgtEl>
-                                      </p:cBhvr>
-                                    </p:animEffect>
-                                    <p:animScale>
-                                      <p:cBhvr>
-                                        <p:cTn id="17" dur="250" autoRev="1" fill="hold"/>
-                                        <p:tgtEl>
-                                          <p:spTgt spid="3">
-                                            <p:txEl>
-                                              <p:pRg st="0" end="0"/>
-                                            </p:txEl>
-                                          </p:spTgt>
-                                        </p:tgtEl>
-                                      </p:cBhvr>
-                                      <p:by x="105000" y="105000"/>
-                                    </p:animScale>
-                                  </p:childTnLst>
-                                </p:cTn>
-                              </p:par>
-                            </p:childTnLst>
-                          </p:cTn>
-                        </p:par>
-                      </p:childTnLst>
-                    </p:cTn>
-                  </p:par>
-                  <p:par>
-                    <p:cTn id="18" fill="hold">
-                      <p:stCondLst>
-                        <p:cond delay="indefinite"/>
-                      </p:stCondLst>
-                      <p:childTnLst>
-                        <p:par>
-                          <p:cTn id="19" fill="hold">
-                            <p:stCondLst>
-                              <p:cond delay="0"/>
-                            </p:stCondLst>
-                            <p:childTnLst>
-                              <p:par>
-                                <p:cTn id="20" presetID="9" presetClass="entr" presetSubtype="0" fill="hold" grpId="0" nodeType="clickEffect">
+                                <p:cTn id="10" presetID="9" presetClass="entr" presetSubtype="0" fill="hold" grpId="0" nodeType="clickEffect">
                                   <p:stCondLst>
                                     <p:cond delay="0"/>
                                   </p:stCondLst>
                                   <p:childTnLst>
                                     <p:set>
                                       <p:cBhvr>
-                                        <p:cTn id="21" dur="1" fill="hold">
-                                          <p:stCondLst>
-                                            <p:cond delay="0"/>
-                                          </p:stCondLst>
-                                        </p:cTn>
-                                        <p:tgtEl>
-                                          <p:spTgt spid="8"/>
-                                        </p:tgtEl>
-                                        <p:attrNameLst>
-                                          <p:attrName>style.visibility</p:attrName>
-                                        </p:attrNameLst>
-                                      </p:cBhvr>
-                                      <p:to>
-                                        <p:strVal val="visible"/>
-                                      </p:to>
-                                    </p:set>
-                                    <p:animEffect transition="in" filter="dissolve">
-                                      <p:cBhvr>
-                                        <p:cTn id="22" dur="500"/>
-                                        <p:tgtEl>
-                                          <p:spTgt spid="8"/>
-                                        </p:tgtEl>
-                                      </p:cBhvr>
-                                    </p:animEffect>
-                                  </p:childTnLst>
-                                </p:cTn>
-                              </p:par>
-                            </p:childTnLst>
-                          </p:cTn>
-                        </p:par>
-                      </p:childTnLst>
-                    </p:cTn>
-                  </p:par>
-                  <p:par>
-                    <p:cTn id="23" fill="hold">
-                      <p:stCondLst>
-                        <p:cond delay="indefinite"/>
-                      </p:stCondLst>
-                      <p:childTnLst>
-                        <p:par>
-                          <p:cTn id="24" fill="hold">
-                            <p:stCondLst>
-                              <p:cond delay="0"/>
-                            </p:stCondLst>
-                            <p:childTnLst>
-                              <p:par>
-                                <p:cTn id="25" presetID="9" presetClass="entr" presetSubtype="0" fill="hold" grpId="0" nodeType="clickEffect">
-                                  <p:stCondLst>
-                                    <p:cond delay="0"/>
-                                  </p:stCondLst>
-                                  <p:childTnLst>
-                                    <p:set>
-                                      <p:cBhvr>
-                                        <p:cTn id="26" dur="1" fill="hold">
+                                        <p:cTn id="11" dur="1" fill="hold">
                                           <p:stCondLst>
                                             <p:cond delay="0"/>
                                           </p:stCondLst>
@@ -10861,7 +10553,7 @@
                                     </p:set>
                                     <p:animEffect transition="in" filter="dissolve">
                                       <p:cBhvr>
-                                        <p:cTn id="27" dur="500"/>
+                                        <p:cTn id="12" dur="500"/>
                                         <p:tgtEl>
                                           <p:spTgt spid="9"/>
                                         </p:tgtEl>
@@ -10898,7 +10590,6 @@
       </p:par>
     </p:tnLst>
     <p:bldLst>
-      <p:bldP spid="6" grpId="0"/>
       <p:bldGraphic spid="8" grpId="0">
         <p:bldAsOne/>
       </p:bldGraphic>
@@ -10929,10 +10620,79 @@
       </p:grpSpPr>
       <p:sp>
         <p:nvSpPr>
-          <p:cNvPr id="5" name="正方形/長方形 4">
+          <p:cNvPr id="3" name="縦書きテキスト プレースホルダー 2">
             <a:extLst>
               <a:ext uri="{FF2B5EF4-FFF2-40B4-BE49-F238E27FC236}">
-                <a16:creationId xmlns:a16="http://schemas.microsoft.com/office/drawing/2014/main" id="{AEF6B412-BA70-4C55-A202-4A77A4187EFF}"/>
+                <a16:creationId xmlns:a16="http://schemas.microsoft.com/office/drawing/2014/main" id="{3DE8BA7C-76F5-B949-BE1C-0568BB65731C}"/>
+              </a:ext>
+            </a:extLst>
+          </p:cNvPr>
+          <p:cNvSpPr>
+            <a:spLocks noGrp="1"/>
+          </p:cNvSpPr>
+          <p:nvPr>
+            <p:ph type="body" orient="vert" idx="1"/>
+          </p:nvPr>
+        </p:nvSpPr>
+        <p:spPr>
+          <a:xfrm rot="16200000">
+            <a:off x="4743451" y="-1940790"/>
+            <a:ext cx="2920999" cy="11214100"/>
+          </a:xfrm>
+        </p:spPr>
+        <p:txBody>
+          <a:bodyPr>
+            <a:normAutofit/>
+          </a:bodyPr>
+          <a:lstStyle/>
+          <a:p>
+            <a:pPr marL="0" indent="0">
+              <a:buNone/>
+            </a:pPr>
+            <a:endParaRPr kumimoji="1" lang="en-US" altLang="ja-JP" sz="4000" dirty="0"/>
+          </a:p>
+          <a:p>
+            <a:pPr marL="0" indent="0">
+              <a:buNone/>
+            </a:pPr>
+            <a:r>
+              <a:rPr kumimoji="1" lang="ja-JP" altLang="en-US" sz="3200" dirty="0"/>
+              <a:t>・他学科との交流の機会をつくり、麻生生の恋愛のキッカケを作る。</a:t>
+            </a:r>
+            <a:endParaRPr lang="en-US" altLang="ja-JP" sz="3200" dirty="0"/>
+          </a:p>
+          <a:p>
+            <a:pPr marL="0" indent="0">
+              <a:buNone/>
+            </a:pPr>
+            <a:endParaRPr lang="en-US" altLang="ja-JP" dirty="0"/>
+          </a:p>
+          <a:p>
+            <a:pPr marL="0" indent="0">
+              <a:buNone/>
+            </a:pPr>
+            <a:endParaRPr kumimoji="1" lang="en-US" altLang="ja-JP" sz="3200" dirty="0"/>
+          </a:p>
+          <a:p>
+            <a:pPr marL="0" indent="0">
+              <a:buNone/>
+            </a:pPr>
+            <a:endParaRPr lang="en-US" altLang="ja-JP" sz="3200" dirty="0"/>
+          </a:p>
+          <a:p>
+            <a:pPr marL="0" indent="0">
+              <a:buNone/>
+            </a:pPr>
+            <a:endParaRPr kumimoji="1" lang="ja-JP" altLang="en-US" sz="3200" dirty="0"/>
+          </a:p>
+        </p:txBody>
+      </p:sp>
+      <p:sp>
+        <p:nvSpPr>
+          <p:cNvPr id="6" name="正方形/長方形 5">
+            <a:extLst>
+              <a:ext uri="{FF2B5EF4-FFF2-40B4-BE49-F238E27FC236}">
+                <a16:creationId xmlns:a16="http://schemas.microsoft.com/office/drawing/2014/main" id="{AD204610-1D26-4FF0-94D1-840D5406A9F2}"/>
               </a:ext>
             </a:extLst>
           </p:cNvPr>
@@ -10941,8 +10701,8 @@
         </p:nvSpPr>
         <p:spPr>
           <a:xfrm>
-            <a:off x="0" y="517792"/>
-            <a:ext cx="4931700" cy="707886"/>
+            <a:off x="1292604" y="630111"/>
+            <a:ext cx="1576072" cy="923330"/>
           </a:xfrm>
           <a:prstGeom prst="rect">
             <a:avLst/>
@@ -10950,14 +10710,14 @@
           <a:noFill/>
         </p:spPr>
         <p:txBody>
-          <a:bodyPr wrap="square" lIns="91440" tIns="45720" rIns="91440" bIns="45720">
+          <a:bodyPr wrap="none" lIns="91440" tIns="45720" rIns="91440" bIns="45720">
             <a:spAutoFit/>
           </a:bodyPr>
           <a:lstStyle/>
           <a:p>
             <a:pPr algn="ctr"/>
             <a:r>
-              <a:rPr lang="ja-JP" altLang="en-US" sz="4000" b="1" cap="none" spc="0" dirty="0">
+              <a:rPr lang="ja-JP" altLang="en-US" sz="5400" b="1" cap="none" spc="0" dirty="0">
                 <a:ln w="9525">
                   <a:solidFill>
                     <a:schemeClr val="bg1"/>
@@ -10976,183 +10736,8 @@
                   </a:outerShdw>
                 </a:effectLst>
               </a:rPr>
-              <a:t>アンケート結果</a:t>
-            </a:r>
-          </a:p>
-        </p:txBody>
-      </p:sp>
-    </p:spTree>
-    <p:extLst>
-      <p:ext uri="{BB962C8B-B14F-4D97-AF65-F5344CB8AC3E}">
-        <p14:creationId xmlns:p14="http://schemas.microsoft.com/office/powerpoint/2010/main" val="2286762652"/>
-      </p:ext>
-    </p:extLst>
-  </p:cSld>
-  <p:clrMapOvr>
-    <a:masterClrMapping/>
-  </p:clrMapOvr>
-  <p:transition spd="slow">
-    <p:push dir="u"/>
-  </p:transition>
-</p:sld>
-</file>
-
-<file path=ppt/slides/slide5.xml><?xml version="1.0" encoding="utf-8"?>
-<p:sld xmlns:a="http://schemas.openxmlformats.org/drawingml/2006/main" xmlns:r="http://schemas.openxmlformats.org/officeDocument/2006/relationships" xmlns:p="http://schemas.openxmlformats.org/presentationml/2006/main">
-  <p:cSld>
-    <p:spTree>
-      <p:nvGrpSpPr>
-        <p:cNvPr id="1" name=""/>
-        <p:cNvGrpSpPr/>
-        <p:nvPr/>
-      </p:nvGrpSpPr>
-      <p:grpSpPr>
-        <a:xfrm>
-          <a:off x="0" y="0"/>
-          <a:ext cx="0" cy="0"/>
-          <a:chOff x="0" y="0"/>
-          <a:chExt cx="0" cy="0"/>
-        </a:xfrm>
-      </p:grpSpPr>
-      <p:sp>
-        <p:nvSpPr>
-          <p:cNvPr id="3" name="縦書きテキスト プレースホルダー 2">
-            <a:extLst>
-              <a:ext uri="{FF2B5EF4-FFF2-40B4-BE49-F238E27FC236}">
-                <a16:creationId xmlns:a16="http://schemas.microsoft.com/office/drawing/2014/main" id="{3DE8BA7C-76F5-B949-BE1C-0568BB65731C}"/>
-              </a:ext>
-            </a:extLst>
-          </p:cNvPr>
-          <p:cNvSpPr>
-            <a:spLocks noGrp="1"/>
-          </p:cNvSpPr>
-          <p:nvPr>
-            <p:ph type="body" orient="vert" idx="1"/>
-          </p:nvPr>
-        </p:nvSpPr>
-        <p:spPr>
-          <a:xfrm rot="16200000">
-            <a:off x="4743451" y="-1940790"/>
-            <a:ext cx="2920999" cy="11214100"/>
-          </a:xfrm>
-        </p:spPr>
-        <p:txBody>
-          <a:bodyPr>
-            <a:normAutofit/>
-          </a:bodyPr>
-          <a:lstStyle/>
-          <a:p>
-            <a:pPr marL="0" indent="0">
-              <a:buNone/>
-            </a:pPr>
-            <a:endParaRPr kumimoji="1" lang="en-US" altLang="ja-JP" sz="4000" dirty="0"/>
-          </a:p>
-          <a:p>
-            <a:pPr marL="0" indent="0">
-              <a:buNone/>
-            </a:pPr>
-            <a:r>
-              <a:rPr kumimoji="1" lang="ja-JP" altLang="en-US" sz="3200" dirty="0"/>
-              <a:t>・他学科との交流の機会をつくり、麻生生の恋愛のキッカケを作る。</a:t>
-            </a:r>
-            <a:endParaRPr lang="en-US" altLang="ja-JP" sz="3200" dirty="0"/>
-          </a:p>
-          <a:p>
-            <a:pPr marL="0" indent="0">
-              <a:buNone/>
-            </a:pPr>
-            <a:endParaRPr lang="en-US" altLang="ja-JP" dirty="0"/>
-          </a:p>
-          <a:p>
-            <a:pPr marL="0" indent="0">
-              <a:buNone/>
-            </a:pPr>
-            <a:endParaRPr kumimoji="1" lang="en-US" altLang="ja-JP" sz="3200" dirty="0"/>
-          </a:p>
-          <a:p>
-            <a:pPr marL="0" indent="0">
-              <a:buNone/>
-            </a:pPr>
-            <a:endParaRPr lang="en-US" altLang="ja-JP" sz="3200" dirty="0"/>
-          </a:p>
-          <a:p>
-            <a:pPr marL="0" indent="0">
-              <a:buNone/>
-            </a:pPr>
-            <a:endParaRPr kumimoji="1" lang="ja-JP" altLang="en-US" sz="3200" dirty="0"/>
-          </a:p>
-        </p:txBody>
-      </p:sp>
-      <p:sp>
-        <p:nvSpPr>
-          <p:cNvPr id="6" name="正方形/長方形 5">
-            <a:extLst>
-              <a:ext uri="{FF2B5EF4-FFF2-40B4-BE49-F238E27FC236}">
-                <a16:creationId xmlns:a16="http://schemas.microsoft.com/office/drawing/2014/main" id="{AD204610-1D26-4FF0-94D1-840D5406A9F2}"/>
-              </a:ext>
-            </a:extLst>
-          </p:cNvPr>
-          <p:cNvSpPr/>
-          <p:nvPr/>
-        </p:nvSpPr>
-        <p:spPr>
-          <a:xfrm>
-            <a:off x="596900" y="630111"/>
-            <a:ext cx="2967479" cy="923330"/>
-          </a:xfrm>
-          <a:prstGeom prst="rect">
-            <a:avLst/>
-          </a:prstGeom>
-          <a:noFill/>
-        </p:spPr>
-        <p:txBody>
-          <a:bodyPr wrap="none" lIns="91440" tIns="45720" rIns="91440" bIns="45720">
-            <a:spAutoFit/>
-          </a:bodyPr>
-          <a:lstStyle/>
-          <a:p>
-            <a:pPr algn="ctr"/>
-            <a:r>
-              <a:rPr lang="ja-JP" altLang="en-US" sz="5400" b="1" dirty="0">
-                <a:ln w="9525">
-                  <a:solidFill>
-                    <a:schemeClr val="bg1"/>
-                  </a:solidFill>
-                  <a:prstDash val="solid"/>
-                </a:ln>
-                <a:solidFill>
-                  <a:srgbClr val="FF78EB"/>
-                </a:solidFill>
-                <a:effectLst>
-                  <a:outerShdw blurRad="12700" dist="38100" dir="2700000" algn="tl" rotWithShape="0">
-                    <a:schemeClr val="accent5">
-                      <a:lumMod val="60000"/>
-                      <a:lumOff val="40000"/>
-                    </a:schemeClr>
-                  </a:outerShdw>
-                </a:effectLst>
-              </a:rPr>
-              <a:t>基本方針</a:t>
-            </a:r>
-            <a:endParaRPr lang="ja-JP" altLang="en-US" sz="5400" b="1" cap="none" spc="0" dirty="0">
-              <a:ln w="9525">
-                <a:solidFill>
-                  <a:schemeClr val="bg1"/>
-                </a:solidFill>
-                <a:prstDash val="solid"/>
-              </a:ln>
-              <a:solidFill>
-                <a:srgbClr val="FF78EB"/>
-              </a:solidFill>
-              <a:effectLst>
-                <a:outerShdw blurRad="12700" dist="38100" dir="2700000" algn="tl" rotWithShape="0">
-                  <a:schemeClr val="accent5">
-                    <a:lumMod val="60000"/>
-                    <a:lumOff val="40000"/>
-                  </a:schemeClr>
-                </a:outerShdw>
-              </a:effectLst>
-            </a:endParaRPr>
+              <a:t>目的</a:t>
+            </a:r>
           </a:p>
         </p:txBody>
       </p:sp>
@@ -11172,7 +10757,7 @@
 </p:sld>
 </file>
 
-<file path=ppt/slides/slide6.xml><?xml version="1.0" encoding="utf-8"?>
+<file path=ppt/slides/slide5.xml><?xml version="1.0" encoding="utf-8"?>
 <p:sld xmlns:a="http://schemas.openxmlformats.org/drawingml/2006/main" xmlns:r="http://schemas.openxmlformats.org/officeDocument/2006/relationships" xmlns:p="http://schemas.openxmlformats.org/presentationml/2006/main">
   <p:cSld>
     <p:spTree>
@@ -11636,7 +11221,7 @@
 </p:sld>
 </file>
 
-<file path=ppt/slides/slide7.xml><?xml version="1.0" encoding="utf-8"?>
+<file path=ppt/slides/slide6.xml><?xml version="1.0" encoding="utf-8"?>
 <p:sld xmlns:a="http://schemas.openxmlformats.org/drawingml/2006/main" xmlns:r="http://schemas.openxmlformats.org/officeDocument/2006/relationships" xmlns:p="http://schemas.openxmlformats.org/presentationml/2006/main">
   <p:cSld>
     <p:spTree>
@@ -12405,7 +11990,7 @@
 </p:sld>
 </file>
 
-<file path=ppt/slides/slide8.xml><?xml version="1.0" encoding="utf-8"?>
+<file path=ppt/slides/slide7.xml><?xml version="1.0" encoding="utf-8"?>
 <p:sld xmlns:a="http://schemas.openxmlformats.org/drawingml/2006/main" xmlns:r="http://schemas.openxmlformats.org/officeDocument/2006/relationships" xmlns:p="http://schemas.openxmlformats.org/presentationml/2006/main">
   <p:cSld>
     <p:spTree>
@@ -14570,6 +14155,39 @@
       <p:bldP spid="4" grpId="1" animBg="1"/>
     </p:bldLst>
   </p:timing>
+</p:sld>
+</file>
+
+<file path=ppt/slides/slide8.xml><?xml version="1.0" encoding="utf-8"?>
+<p:sld xmlns:a="http://schemas.openxmlformats.org/drawingml/2006/main" xmlns:r="http://schemas.openxmlformats.org/officeDocument/2006/relationships" xmlns:p="http://schemas.openxmlformats.org/presentationml/2006/main">
+  <p:cSld>
+    <p:spTree>
+      <p:nvGrpSpPr>
+        <p:cNvPr id="1" name=""/>
+        <p:cNvGrpSpPr/>
+        <p:nvPr/>
+      </p:nvGrpSpPr>
+      <p:grpSpPr>
+        <a:xfrm>
+          <a:off x="0" y="0"/>
+          <a:ext cx="0" cy="0"/>
+          <a:chOff x="0" y="0"/>
+          <a:chExt cx="0" cy="0"/>
+        </a:xfrm>
+      </p:grpSpPr>
+    </p:spTree>
+    <p:extLst>
+      <p:ext uri="{BB962C8B-B14F-4D97-AF65-F5344CB8AC3E}">
+        <p14:creationId xmlns:p14="http://schemas.microsoft.com/office/powerpoint/2010/main" val="1287603253"/>
+      </p:ext>
+    </p:extLst>
+  </p:cSld>
+  <p:clrMapOvr>
+    <a:masterClrMapping/>
+  </p:clrMapOvr>
+  <p:transition spd="slow">
+    <p:push dir="u"/>
+  </p:transition>
 </p:sld>
 </file>
 

--- a/プレゼン資料/SAKURAプレゼン評価会.pptx
+++ b/プレゼン資料/SAKURAプレゼン評価会.pptx
@@ -10657,7 +10657,15 @@
             </a:pPr>
             <a:r>
               <a:rPr kumimoji="1" lang="ja-JP" altLang="en-US" sz="3200" dirty="0"/>
-              <a:t>・他学科との交流の機会をつくり、麻生生の恋愛のキッカケを作る。</a:t>
+              <a:t>・</a:t>
+            </a:r>
+            <a:r>
+              <a:rPr lang="ja-JP" altLang="en-US" sz="3200" dirty="0"/>
+              <a:t>学内での</a:t>
+            </a:r>
+            <a:r>
+              <a:rPr kumimoji="1" lang="ja-JP" altLang="en-US" sz="3200" dirty="0"/>
+              <a:t>交流の機会をつくり、麻生生の恋愛のキッカケを作る。</a:t>
             </a:r>
             <a:endParaRPr lang="en-US" altLang="ja-JP" sz="3200" dirty="0"/>
           </a:p>
